--- a/JS.pptx
+++ b/JS.pptx
@@ -11,6 +11,8 @@
     <p:sldId id="259" r:id="rId5"/>
     <p:sldId id="262" r:id="rId6"/>
     <p:sldId id="263" r:id="rId7"/>
+    <p:sldId id="264" r:id="rId8"/>
+    <p:sldId id="265" r:id="rId9"/>
   </p:sldIdLst>
   <p:sldSz cx="12192000" cy="6858000"/>
   <p:notesSz cx="6858000" cy="9144000"/>
@@ -109,6 +111,11 @@
       </a:defRPr>
     </a:lvl9pPr>
   </p:defaultTextStyle>
+  <p:extLst>
+    <p:ext uri="{EFAFB233-063F-42B5-8137-9DF3F51BA10A}">
+      <p15:sldGuideLst xmlns:p15="http://schemas.microsoft.com/office/powerpoint/2012/main"/>
+    </p:ext>
+  </p:extLst>
 </p:presentation>
 </file>
 
@@ -261,7 +268,7 @@
           <a:p>
             <a:fld id="{8D31219C-DFA7-451F-9A3C-A5BF793845AF}" type="datetimeFigureOut">
               <a:rPr lang="es-MX" smtClean="0"/>
-              <a:t>16/02/2023</a:t>
+              <a:t>20/02/2023</a:t>
             </a:fld>
             <a:endParaRPr lang="es-MX"/>
           </a:p>
@@ -461,7 +468,7 @@
           <a:p>
             <a:fld id="{8D31219C-DFA7-451F-9A3C-A5BF793845AF}" type="datetimeFigureOut">
               <a:rPr lang="es-MX" smtClean="0"/>
-              <a:t>16/02/2023</a:t>
+              <a:t>20/02/2023</a:t>
             </a:fld>
             <a:endParaRPr lang="es-MX"/>
           </a:p>
@@ -671,7 +678,7 @@
           <a:p>
             <a:fld id="{8D31219C-DFA7-451F-9A3C-A5BF793845AF}" type="datetimeFigureOut">
               <a:rPr lang="es-MX" smtClean="0"/>
-              <a:t>16/02/2023</a:t>
+              <a:t>20/02/2023</a:t>
             </a:fld>
             <a:endParaRPr lang="es-MX"/>
           </a:p>
@@ -871,7 +878,7 @@
           <a:p>
             <a:fld id="{8D31219C-DFA7-451F-9A3C-A5BF793845AF}" type="datetimeFigureOut">
               <a:rPr lang="es-MX" smtClean="0"/>
-              <a:t>16/02/2023</a:t>
+              <a:t>20/02/2023</a:t>
             </a:fld>
             <a:endParaRPr lang="es-MX"/>
           </a:p>
@@ -1147,7 +1154,7 @@
           <a:p>
             <a:fld id="{8D31219C-DFA7-451F-9A3C-A5BF793845AF}" type="datetimeFigureOut">
               <a:rPr lang="es-MX" smtClean="0"/>
-              <a:t>16/02/2023</a:t>
+              <a:t>20/02/2023</a:t>
             </a:fld>
             <a:endParaRPr lang="es-MX"/>
           </a:p>
@@ -1415,7 +1422,7 @@
           <a:p>
             <a:fld id="{8D31219C-DFA7-451F-9A3C-A5BF793845AF}" type="datetimeFigureOut">
               <a:rPr lang="es-MX" smtClean="0"/>
-              <a:t>16/02/2023</a:t>
+              <a:t>20/02/2023</a:t>
             </a:fld>
             <a:endParaRPr lang="es-MX"/>
           </a:p>
@@ -1830,7 +1837,7 @@
           <a:p>
             <a:fld id="{8D31219C-DFA7-451F-9A3C-A5BF793845AF}" type="datetimeFigureOut">
               <a:rPr lang="es-MX" smtClean="0"/>
-              <a:t>16/02/2023</a:t>
+              <a:t>20/02/2023</a:t>
             </a:fld>
             <a:endParaRPr lang="es-MX"/>
           </a:p>
@@ -1972,7 +1979,7 @@
           <a:p>
             <a:fld id="{8D31219C-DFA7-451F-9A3C-A5BF793845AF}" type="datetimeFigureOut">
               <a:rPr lang="es-MX" smtClean="0"/>
-              <a:t>16/02/2023</a:t>
+              <a:t>20/02/2023</a:t>
             </a:fld>
             <a:endParaRPr lang="es-MX"/>
           </a:p>
@@ -2085,7 +2092,7 @@
           <a:p>
             <a:fld id="{8D31219C-DFA7-451F-9A3C-A5BF793845AF}" type="datetimeFigureOut">
               <a:rPr lang="es-MX" smtClean="0"/>
-              <a:t>16/02/2023</a:t>
+              <a:t>20/02/2023</a:t>
             </a:fld>
             <a:endParaRPr lang="es-MX"/>
           </a:p>
@@ -2398,7 +2405,7 @@
           <a:p>
             <a:fld id="{8D31219C-DFA7-451F-9A3C-A5BF793845AF}" type="datetimeFigureOut">
               <a:rPr lang="es-MX" smtClean="0"/>
-              <a:t>16/02/2023</a:t>
+              <a:t>20/02/2023</a:t>
             </a:fld>
             <a:endParaRPr lang="es-MX"/>
           </a:p>
@@ -2687,7 +2694,7 @@
           <a:p>
             <a:fld id="{8D31219C-DFA7-451F-9A3C-A5BF793845AF}" type="datetimeFigureOut">
               <a:rPr lang="es-MX" smtClean="0"/>
-              <a:t>16/02/2023</a:t>
+              <a:t>20/02/2023</a:t>
             </a:fld>
             <a:endParaRPr lang="es-MX"/>
           </a:p>
@@ -2930,7 +2937,7 @@
           <a:p>
             <a:fld id="{8D31219C-DFA7-451F-9A3C-A5BF793845AF}" type="datetimeFigureOut">
               <a:rPr lang="es-MX" smtClean="0"/>
-              <a:t>16/02/2023</a:t>
+              <a:t>20/02/2023</a:t>
             </a:fld>
             <a:endParaRPr lang="es-MX"/>
           </a:p>
@@ -4416,6 +4423,444 @@
 </p:sld>
 </file>
 
+<file path=ppt/slides/slide7.xml><?xml version="1.0" encoding="utf-8"?>
+<p:sld xmlns:a="http://schemas.openxmlformats.org/drawingml/2006/main" xmlns:r="http://schemas.openxmlformats.org/officeDocument/2006/relationships" xmlns:p="http://schemas.openxmlformats.org/presentationml/2006/main">
+  <p:cSld>
+    <p:spTree>
+      <p:nvGrpSpPr>
+        <p:cNvPr id="1" name=""/>
+        <p:cNvGrpSpPr/>
+        <p:nvPr/>
+      </p:nvGrpSpPr>
+      <p:grpSpPr>
+        <a:xfrm>
+          <a:off x="0" y="0"/>
+          <a:ext cx="0" cy="0"/>
+          <a:chOff x="0" y="0"/>
+          <a:chExt cx="0" cy="0"/>
+        </a:xfrm>
+      </p:grpSpPr>
+      <p:pic>
+        <p:nvPicPr>
+          <p:cNvPr id="5" name="Imagen 4">
+            <a:extLst>
+              <a:ext uri="{FF2B5EF4-FFF2-40B4-BE49-F238E27FC236}">
+                <a16:creationId xmlns:a16="http://schemas.microsoft.com/office/drawing/2014/main" id="{D4880CB8-75A6-85E8-113A-DC1333057BC8}"/>
+              </a:ext>
+            </a:extLst>
+          </p:cNvPr>
+          <p:cNvPicPr>
+            <a:picLocks noChangeAspect="1"/>
+          </p:cNvPicPr>
+          <p:nvPr/>
+        </p:nvPicPr>
+        <p:blipFill rotWithShape="1">
+          <a:blip r:embed="rId2"/>
+          <a:srcRect l="9221" t="27904" r="64098" b="16999"/>
+          <a:stretch/>
+        </p:blipFill>
+        <p:spPr>
+          <a:xfrm>
+            <a:off x="692672" y="281066"/>
+            <a:ext cx="9487522" cy="6295868"/>
+          </a:xfrm>
+          <a:prstGeom prst="rect">
+            <a:avLst/>
+          </a:prstGeom>
+        </p:spPr>
+      </p:pic>
+    </p:spTree>
+    <p:extLst>
+      <p:ext uri="{BB962C8B-B14F-4D97-AF65-F5344CB8AC3E}">
+        <p14:creationId xmlns:p14="http://schemas.microsoft.com/office/powerpoint/2010/main" val="2554017188"/>
+      </p:ext>
+    </p:extLst>
+  </p:cSld>
+  <p:clrMapOvr>
+    <a:masterClrMapping/>
+  </p:clrMapOvr>
+</p:sld>
+</file>
+
+<file path=ppt/slides/slide8.xml><?xml version="1.0" encoding="utf-8"?>
+<p:sld xmlns:a="http://schemas.openxmlformats.org/drawingml/2006/main" xmlns:r="http://schemas.openxmlformats.org/officeDocument/2006/relationships" xmlns:p="http://schemas.openxmlformats.org/presentationml/2006/main">
+  <p:cSld>
+    <p:spTree>
+      <p:nvGrpSpPr>
+        <p:cNvPr id="1" name=""/>
+        <p:cNvGrpSpPr/>
+        <p:nvPr/>
+      </p:nvGrpSpPr>
+      <p:grpSpPr>
+        <a:xfrm>
+          <a:off x="0" y="0"/>
+          <a:ext cx="0" cy="0"/>
+          <a:chOff x="0" y="0"/>
+          <a:chExt cx="0" cy="0"/>
+        </a:xfrm>
+      </p:grpSpPr>
+      <p:sp>
+        <p:nvSpPr>
+          <p:cNvPr id="2" name="Título 1">
+            <a:extLst>
+              <a:ext uri="{FF2B5EF4-FFF2-40B4-BE49-F238E27FC236}">
+                <a16:creationId xmlns:a16="http://schemas.microsoft.com/office/drawing/2014/main" id="{EC6A751C-D6D9-754E-2D51-7C0F98BF1879}"/>
+              </a:ext>
+            </a:extLst>
+          </p:cNvPr>
+          <p:cNvSpPr>
+            <a:spLocks noGrp="1"/>
+          </p:cNvSpPr>
+          <p:nvPr>
+            <p:ph type="title"/>
+          </p:nvPr>
+        </p:nvSpPr>
+        <p:spPr/>
+        <p:txBody>
+          <a:bodyPr/>
+          <a:lstStyle/>
+          <a:p>
+            <a:endParaRPr lang="es-MX"/>
+          </a:p>
+        </p:txBody>
+      </p:sp>
+      <p:sp>
+        <p:nvSpPr>
+          <p:cNvPr id="3" name="Marcador de contenido 2">
+            <a:extLst>
+              <a:ext uri="{FF2B5EF4-FFF2-40B4-BE49-F238E27FC236}">
+                <a16:creationId xmlns:a16="http://schemas.microsoft.com/office/drawing/2014/main" id="{95FE85AD-3CEA-89A6-526D-8E2C304372DF}"/>
+              </a:ext>
+            </a:extLst>
+          </p:cNvPr>
+          <p:cNvSpPr>
+            <a:spLocks noGrp="1"/>
+          </p:cNvSpPr>
+          <p:nvPr>
+            <p:ph idx="1"/>
+          </p:nvPr>
+        </p:nvSpPr>
+        <p:spPr>
+          <a:xfrm>
+            <a:off x="838200" y="1825625"/>
+            <a:ext cx="2534587" cy="4351338"/>
+          </a:xfrm>
+        </p:spPr>
+        <p:txBody>
+          <a:bodyPr>
+            <a:normAutofit fontScale="77500" lnSpcReduction="20000"/>
+          </a:bodyPr>
+          <a:lstStyle/>
+          <a:p>
+            <a:r>
+              <a:rPr lang="en-US" dirty="0"/>
+              <a:t>slice</a:t>
+            </a:r>
+          </a:p>
+          <a:p>
+            <a:r>
+              <a:rPr lang="en-US" dirty="0"/>
+              <a:t>substring</a:t>
+            </a:r>
+          </a:p>
+          <a:p>
+            <a:r>
+              <a:rPr lang="en-US" dirty="0" err="1"/>
+              <a:t>substr</a:t>
+            </a:r>
+            <a:endParaRPr lang="en-US" dirty="0"/>
+          </a:p>
+          <a:p>
+            <a:r>
+              <a:rPr lang="en-US" dirty="0" err="1"/>
+              <a:t>concat</a:t>
+            </a:r>
+            <a:endParaRPr lang="en-US" dirty="0"/>
+          </a:p>
+          <a:p>
+            <a:r>
+              <a:rPr lang="en-US" dirty="0" err="1"/>
+              <a:t>toUpperCase</a:t>
+            </a:r>
+            <a:endParaRPr lang="en-US" dirty="0"/>
+          </a:p>
+          <a:p>
+            <a:r>
+              <a:rPr lang="en-US" dirty="0" err="1"/>
+              <a:t>toLowerCase</a:t>
+            </a:r>
+            <a:endParaRPr lang="en-US" dirty="0"/>
+          </a:p>
+          <a:p>
+            <a:r>
+              <a:rPr lang="en-US" dirty="0"/>
+              <a:t>trim</a:t>
+            </a:r>
+          </a:p>
+          <a:p>
+            <a:r>
+              <a:rPr lang="en-US" dirty="0" err="1"/>
+              <a:t>padEnd</a:t>
+            </a:r>
+            <a:endParaRPr lang="en-US" dirty="0"/>
+          </a:p>
+          <a:p>
+            <a:r>
+              <a:rPr lang="en-US" dirty="0"/>
+              <a:t>split</a:t>
+            </a:r>
+          </a:p>
+          <a:p>
+            <a:r>
+              <a:rPr lang="en-US" dirty="0" err="1"/>
+              <a:t>padStart</a:t>
+            </a:r>
+            <a:endParaRPr lang="en-US" dirty="0"/>
+          </a:p>
+          <a:p>
+            <a:r>
+              <a:rPr lang="en-US" dirty="0" err="1"/>
+              <a:t>charAt</a:t>
+            </a:r>
+            <a:endParaRPr lang="en-US" dirty="0"/>
+          </a:p>
+          <a:p>
+            <a:r>
+              <a:rPr lang="en-US" dirty="0"/>
+              <a:t>replace</a:t>
+            </a:r>
+          </a:p>
+          <a:p>
+            <a:endParaRPr lang="es-MX" dirty="0"/>
+          </a:p>
+        </p:txBody>
+      </p:sp>
+      <p:sp>
+        <p:nvSpPr>
+          <p:cNvPr id="4" name="Marcador de contenido 2">
+            <a:extLst>
+              <a:ext uri="{FF2B5EF4-FFF2-40B4-BE49-F238E27FC236}">
+                <a16:creationId xmlns:a16="http://schemas.microsoft.com/office/drawing/2014/main" id="{B6AB2D55-2831-4AA7-6CC5-952B836B4AEA}"/>
+              </a:ext>
+            </a:extLst>
+          </p:cNvPr>
+          <p:cNvSpPr txBox="1">
+            <a:spLocks/>
+          </p:cNvSpPr>
+          <p:nvPr/>
+        </p:nvSpPr>
+        <p:spPr>
+          <a:xfrm>
+            <a:off x="4213485" y="1825625"/>
+            <a:ext cx="2534587" cy="4351338"/>
+          </a:xfrm>
+          <a:prstGeom prst="rect">
+            <a:avLst/>
+          </a:prstGeom>
+        </p:spPr>
+        <p:txBody>
+          <a:bodyPr vert="horz" lIns="91440" tIns="45720" rIns="91440" bIns="45720" rtlCol="0">
+            <a:normAutofit/>
+          </a:bodyPr>
+          <a:lstStyle>
+            <a:lvl1pPr marL="228600" indent="-228600" algn="l" defTabSz="914400" rtl="0" eaLnBrk="1" latinLnBrk="0" hangingPunct="1">
+              <a:lnSpc>
+                <a:spcPct val="90000"/>
+              </a:lnSpc>
+              <a:spcBef>
+                <a:spcPts val="1000"/>
+              </a:spcBef>
+              <a:buFont typeface="Arial" panose="020B0604020202020204" pitchFamily="34" charset="0"/>
+              <a:buChar char="•"/>
+              <a:defRPr sz="2800" kern="1200">
+                <a:solidFill>
+                  <a:schemeClr val="tx1"/>
+                </a:solidFill>
+                <a:latin typeface="+mn-lt"/>
+                <a:ea typeface="+mn-ea"/>
+                <a:cs typeface="+mn-cs"/>
+              </a:defRPr>
+            </a:lvl1pPr>
+            <a:lvl2pPr marL="685800" indent="-228600" algn="l" defTabSz="914400" rtl="0" eaLnBrk="1" latinLnBrk="0" hangingPunct="1">
+              <a:lnSpc>
+                <a:spcPct val="90000"/>
+              </a:lnSpc>
+              <a:spcBef>
+                <a:spcPts val="500"/>
+              </a:spcBef>
+              <a:buFont typeface="Arial" panose="020B0604020202020204" pitchFamily="34" charset="0"/>
+              <a:buChar char="•"/>
+              <a:defRPr sz="2400" kern="1200">
+                <a:solidFill>
+                  <a:schemeClr val="tx1"/>
+                </a:solidFill>
+                <a:latin typeface="+mn-lt"/>
+                <a:ea typeface="+mn-ea"/>
+                <a:cs typeface="+mn-cs"/>
+              </a:defRPr>
+            </a:lvl2pPr>
+            <a:lvl3pPr marL="1143000" indent="-228600" algn="l" defTabSz="914400" rtl="0" eaLnBrk="1" latinLnBrk="0" hangingPunct="1">
+              <a:lnSpc>
+                <a:spcPct val="90000"/>
+              </a:lnSpc>
+              <a:spcBef>
+                <a:spcPts val="500"/>
+              </a:spcBef>
+              <a:buFont typeface="Arial" panose="020B0604020202020204" pitchFamily="34" charset="0"/>
+              <a:buChar char="•"/>
+              <a:defRPr sz="2000" kern="1200">
+                <a:solidFill>
+                  <a:schemeClr val="tx1"/>
+                </a:solidFill>
+                <a:latin typeface="+mn-lt"/>
+                <a:ea typeface="+mn-ea"/>
+                <a:cs typeface="+mn-cs"/>
+              </a:defRPr>
+            </a:lvl3pPr>
+            <a:lvl4pPr marL="1600200" indent="-228600" algn="l" defTabSz="914400" rtl="0" eaLnBrk="1" latinLnBrk="0" hangingPunct="1">
+              <a:lnSpc>
+                <a:spcPct val="90000"/>
+              </a:lnSpc>
+              <a:spcBef>
+                <a:spcPts val="500"/>
+              </a:spcBef>
+              <a:buFont typeface="Arial" panose="020B0604020202020204" pitchFamily="34" charset="0"/>
+              <a:buChar char="•"/>
+              <a:defRPr sz="1800" kern="1200">
+                <a:solidFill>
+                  <a:schemeClr val="tx1"/>
+                </a:solidFill>
+                <a:latin typeface="+mn-lt"/>
+                <a:ea typeface="+mn-ea"/>
+                <a:cs typeface="+mn-cs"/>
+              </a:defRPr>
+            </a:lvl4pPr>
+            <a:lvl5pPr marL="2057400" indent="-228600" algn="l" defTabSz="914400" rtl="0" eaLnBrk="1" latinLnBrk="0" hangingPunct="1">
+              <a:lnSpc>
+                <a:spcPct val="90000"/>
+              </a:lnSpc>
+              <a:spcBef>
+                <a:spcPts val="500"/>
+              </a:spcBef>
+              <a:buFont typeface="Arial" panose="020B0604020202020204" pitchFamily="34" charset="0"/>
+              <a:buChar char="•"/>
+              <a:defRPr sz="1800" kern="1200">
+                <a:solidFill>
+                  <a:schemeClr val="tx1"/>
+                </a:solidFill>
+                <a:latin typeface="+mn-lt"/>
+                <a:ea typeface="+mn-ea"/>
+                <a:cs typeface="+mn-cs"/>
+              </a:defRPr>
+            </a:lvl5pPr>
+            <a:lvl6pPr marL="2514600" indent="-228600" algn="l" defTabSz="914400" rtl="0" eaLnBrk="1" latinLnBrk="0" hangingPunct="1">
+              <a:lnSpc>
+                <a:spcPct val="90000"/>
+              </a:lnSpc>
+              <a:spcBef>
+                <a:spcPts val="500"/>
+              </a:spcBef>
+              <a:buFont typeface="Arial" panose="020B0604020202020204" pitchFamily="34" charset="0"/>
+              <a:buChar char="•"/>
+              <a:defRPr sz="1800" kern="1200">
+                <a:solidFill>
+                  <a:schemeClr val="tx1"/>
+                </a:solidFill>
+                <a:latin typeface="+mn-lt"/>
+                <a:ea typeface="+mn-ea"/>
+                <a:cs typeface="+mn-cs"/>
+              </a:defRPr>
+            </a:lvl6pPr>
+            <a:lvl7pPr marL="2971800" indent="-228600" algn="l" defTabSz="914400" rtl="0" eaLnBrk="1" latinLnBrk="0" hangingPunct="1">
+              <a:lnSpc>
+                <a:spcPct val="90000"/>
+              </a:lnSpc>
+              <a:spcBef>
+                <a:spcPts val="500"/>
+              </a:spcBef>
+              <a:buFont typeface="Arial" panose="020B0604020202020204" pitchFamily="34" charset="0"/>
+              <a:buChar char="•"/>
+              <a:defRPr sz="1800" kern="1200">
+                <a:solidFill>
+                  <a:schemeClr val="tx1"/>
+                </a:solidFill>
+                <a:latin typeface="+mn-lt"/>
+                <a:ea typeface="+mn-ea"/>
+                <a:cs typeface="+mn-cs"/>
+              </a:defRPr>
+            </a:lvl7pPr>
+            <a:lvl8pPr marL="3429000" indent="-228600" algn="l" defTabSz="914400" rtl="0" eaLnBrk="1" latinLnBrk="0" hangingPunct="1">
+              <a:lnSpc>
+                <a:spcPct val="90000"/>
+              </a:lnSpc>
+              <a:spcBef>
+                <a:spcPts val="500"/>
+              </a:spcBef>
+              <a:buFont typeface="Arial" panose="020B0604020202020204" pitchFamily="34" charset="0"/>
+              <a:buChar char="•"/>
+              <a:defRPr sz="1800" kern="1200">
+                <a:solidFill>
+                  <a:schemeClr val="tx1"/>
+                </a:solidFill>
+                <a:latin typeface="+mn-lt"/>
+                <a:ea typeface="+mn-ea"/>
+                <a:cs typeface="+mn-cs"/>
+              </a:defRPr>
+            </a:lvl8pPr>
+            <a:lvl9pPr marL="3886200" indent="-228600" algn="l" defTabSz="914400" rtl="0" eaLnBrk="1" latinLnBrk="0" hangingPunct="1">
+              <a:lnSpc>
+                <a:spcPct val="90000"/>
+              </a:lnSpc>
+              <a:spcBef>
+                <a:spcPts val="500"/>
+              </a:spcBef>
+              <a:buFont typeface="Arial" panose="020B0604020202020204" pitchFamily="34" charset="0"/>
+              <a:buChar char="•"/>
+              <a:defRPr sz="1800" kern="1200">
+                <a:solidFill>
+                  <a:schemeClr val="tx1"/>
+                </a:solidFill>
+                <a:latin typeface="+mn-lt"/>
+                <a:ea typeface="+mn-ea"/>
+                <a:cs typeface="+mn-cs"/>
+              </a:defRPr>
+            </a:lvl9pPr>
+          </a:lstStyle>
+          <a:p>
+            <a:r>
+              <a:rPr lang="en-US" dirty="0" err="1"/>
+              <a:t>arr.toString</a:t>
+            </a:r>
+            <a:r>
+              <a:rPr lang="en-US" dirty="0"/>
+              <a:t>()</a:t>
+            </a:r>
+          </a:p>
+          <a:p>
+            <a:r>
+              <a:rPr lang="en-US" dirty="0" err="1"/>
+              <a:t>arr.split</a:t>
+            </a:r>
+            <a:endParaRPr lang="en-US"/>
+          </a:p>
+          <a:p>
+            <a:endParaRPr lang="es-MX" dirty="0"/>
+          </a:p>
+        </p:txBody>
+      </p:sp>
+    </p:spTree>
+    <p:extLst>
+      <p:ext uri="{BB962C8B-B14F-4D97-AF65-F5344CB8AC3E}">
+        <p14:creationId xmlns:p14="http://schemas.microsoft.com/office/powerpoint/2010/main" val="2756648481"/>
+      </p:ext>
+    </p:extLst>
+  </p:cSld>
+  <p:clrMapOvr>
+    <a:masterClrMapping/>
+  </p:clrMapOvr>
+</p:sld>
+</file>
+
 <file path=ppt/theme/theme1.xml><?xml version="1.0" encoding="utf-8"?>
 <a:theme xmlns:a="http://schemas.openxmlformats.org/drawingml/2006/main" name="Tema de Office">
   <a:themeElements>

--- a/JS.pptx
+++ b/JS.pptx
@@ -268,7 +268,7 @@
           <a:p>
             <a:fld id="{8D31219C-DFA7-451F-9A3C-A5BF793845AF}" type="datetimeFigureOut">
               <a:rPr lang="es-MX" smtClean="0"/>
-              <a:t>20/02/2023</a:t>
+              <a:t>01/03/2023</a:t>
             </a:fld>
             <a:endParaRPr lang="es-MX"/>
           </a:p>
@@ -468,7 +468,7 @@
           <a:p>
             <a:fld id="{8D31219C-DFA7-451F-9A3C-A5BF793845AF}" type="datetimeFigureOut">
               <a:rPr lang="es-MX" smtClean="0"/>
-              <a:t>20/02/2023</a:t>
+              <a:t>01/03/2023</a:t>
             </a:fld>
             <a:endParaRPr lang="es-MX"/>
           </a:p>
@@ -678,7 +678,7 @@
           <a:p>
             <a:fld id="{8D31219C-DFA7-451F-9A3C-A5BF793845AF}" type="datetimeFigureOut">
               <a:rPr lang="es-MX" smtClean="0"/>
-              <a:t>20/02/2023</a:t>
+              <a:t>01/03/2023</a:t>
             </a:fld>
             <a:endParaRPr lang="es-MX"/>
           </a:p>
@@ -878,7 +878,7 @@
           <a:p>
             <a:fld id="{8D31219C-DFA7-451F-9A3C-A5BF793845AF}" type="datetimeFigureOut">
               <a:rPr lang="es-MX" smtClean="0"/>
-              <a:t>20/02/2023</a:t>
+              <a:t>01/03/2023</a:t>
             </a:fld>
             <a:endParaRPr lang="es-MX"/>
           </a:p>
@@ -1154,7 +1154,7 @@
           <a:p>
             <a:fld id="{8D31219C-DFA7-451F-9A3C-A5BF793845AF}" type="datetimeFigureOut">
               <a:rPr lang="es-MX" smtClean="0"/>
-              <a:t>20/02/2023</a:t>
+              <a:t>01/03/2023</a:t>
             </a:fld>
             <a:endParaRPr lang="es-MX"/>
           </a:p>
@@ -1422,7 +1422,7 @@
           <a:p>
             <a:fld id="{8D31219C-DFA7-451F-9A3C-A5BF793845AF}" type="datetimeFigureOut">
               <a:rPr lang="es-MX" smtClean="0"/>
-              <a:t>20/02/2023</a:t>
+              <a:t>01/03/2023</a:t>
             </a:fld>
             <a:endParaRPr lang="es-MX"/>
           </a:p>
@@ -1837,7 +1837,7 @@
           <a:p>
             <a:fld id="{8D31219C-DFA7-451F-9A3C-A5BF793845AF}" type="datetimeFigureOut">
               <a:rPr lang="es-MX" smtClean="0"/>
-              <a:t>20/02/2023</a:t>
+              <a:t>01/03/2023</a:t>
             </a:fld>
             <a:endParaRPr lang="es-MX"/>
           </a:p>
@@ -1979,7 +1979,7 @@
           <a:p>
             <a:fld id="{8D31219C-DFA7-451F-9A3C-A5BF793845AF}" type="datetimeFigureOut">
               <a:rPr lang="es-MX" smtClean="0"/>
-              <a:t>20/02/2023</a:t>
+              <a:t>01/03/2023</a:t>
             </a:fld>
             <a:endParaRPr lang="es-MX"/>
           </a:p>
@@ -2092,7 +2092,7 @@
           <a:p>
             <a:fld id="{8D31219C-DFA7-451F-9A3C-A5BF793845AF}" type="datetimeFigureOut">
               <a:rPr lang="es-MX" smtClean="0"/>
-              <a:t>20/02/2023</a:t>
+              <a:t>01/03/2023</a:t>
             </a:fld>
             <a:endParaRPr lang="es-MX"/>
           </a:p>
@@ -2405,7 +2405,7 @@
           <a:p>
             <a:fld id="{8D31219C-DFA7-451F-9A3C-A5BF793845AF}" type="datetimeFigureOut">
               <a:rPr lang="es-MX" smtClean="0"/>
-              <a:t>20/02/2023</a:t>
+              <a:t>01/03/2023</a:t>
             </a:fld>
             <a:endParaRPr lang="es-MX"/>
           </a:p>
@@ -2694,7 +2694,7 @@
           <a:p>
             <a:fld id="{8D31219C-DFA7-451F-9A3C-A5BF793845AF}" type="datetimeFigureOut">
               <a:rPr lang="es-MX" smtClean="0"/>
-              <a:t>20/02/2023</a:t>
+              <a:t>01/03/2023</a:t>
             </a:fld>
             <a:endParaRPr lang="es-MX"/>
           </a:p>
@@ -2937,7 +2937,7 @@
           <a:p>
             <a:fld id="{8D31219C-DFA7-451F-9A3C-A5BF793845AF}" type="datetimeFigureOut">
               <a:rPr lang="es-MX" smtClean="0"/>
-              <a:t>20/02/2023</a:t>
+              <a:t>01/03/2023</a:t>
             </a:fld>
             <a:endParaRPr lang="es-MX"/>
           </a:p>
